--- a/Showcases/GroupDocs.ReportGenerator/Templates/CustomerTemplate.pptx
+++ b/Showcases/GroupDocs.ReportGenerator/Templates/CustomerTemplate.pptx
@@ -104,6 +104,11 @@
       </a:defRPr>
     </a:lvl9pPr>
   </p:defaultTextStyle>
+  <p:extLst>
+    <p:ext uri="{EFAFB233-063F-42B5-8137-9DF3F51BA10A}">
+      <p15:sldGuideLst xmlns:p15="http://schemas.microsoft.com/office/powerpoint/2012/main"/>
+    </p:ext>
+  </p:extLst>
 </p:presentation>
 </file>
 
@@ -2964,65 +2969,714 @@
           <a:chExt cx="0" cy="0"/>
         </a:xfrm>
       </p:grpSpPr>
-      <p:sp>
-        <p:nvSpPr>
-          <p:cNvPr id="2" name="Title 1"/>
-          <p:cNvSpPr>
-            <a:spLocks noGrp="1"/>
+      <p:graphicFrame>
+        <p:nvGraphicFramePr>
+          <p:cNvPr id="8" name="Table 7"/>
+          <p:cNvGraphicFramePr>
+            <a:graphicFrameLocks noGrp="1"/>
+          </p:cNvGraphicFramePr>
+          <p:nvPr/>
+        </p:nvGraphicFramePr>
+        <p:xfrm>
+          <a:off x="2981324" y="3642011"/>
+          <a:ext cx="6229351" cy="696976"/>
+        </p:xfrm>
+        <a:graphic>
+          <a:graphicData uri="http://schemas.openxmlformats.org/drawingml/2006/table">
+            <a:tbl>
+              <a:tblPr firstRow="1" firstCol="1" bandRow="1">
+                <a:tableStyleId>{5C22544A-7EE6-4342-B048-85BDC9FD1C3A}</a:tableStyleId>
+              </a:tblPr>
+              <a:tblGrid>
+                <a:gridCol w="1325610"/>
+                <a:gridCol w="2326801"/>
+                <a:gridCol w="2576940"/>
+              </a:tblGrid>
+              <a:tr h="123190">
+                <a:tc>
+                  <a:txBody>
+                    <a:bodyPr/>
+                    <a:lstStyle/>
+                    <a:p>
+                      <a:pPr marL="0" marR="0">
+                        <a:lnSpc>
+                          <a:spcPct val="115000"/>
+                        </a:lnSpc>
+                        <a:spcBef>
+                          <a:spcPts val="0"/>
+                        </a:spcBef>
+                        <a:spcAft>
+                          <a:spcPts val="0"/>
+                        </a:spcAft>
+                        <a:tabLst>
+                          <a:tab pos="581660" algn="l"/>
+                          <a:tab pos="1163320" algn="l"/>
+                          <a:tab pos="1744980" algn="l"/>
+                          <a:tab pos="2326640" algn="l"/>
+                          <a:tab pos="2908300" algn="l"/>
+                          <a:tab pos="3489960" algn="l"/>
+                          <a:tab pos="4071620" algn="l"/>
+                          <a:tab pos="4653280" algn="l"/>
+                          <a:tab pos="5234940" algn="l"/>
+                          <a:tab pos="5816600" algn="l"/>
+                          <a:tab pos="6398260" algn="l"/>
+                          <a:tab pos="6979920" algn="l"/>
+                          <a:tab pos="7561580" algn="l"/>
+                          <a:tab pos="8143240" algn="l"/>
+                          <a:tab pos="8724900" algn="l"/>
+                          <a:tab pos="9306560" algn="l"/>
+                        </a:tabLst>
+                      </a:pPr>
+                      <a:r>
+                        <a:rPr lang="en-US" sz="1100">
+                          <a:effectLst/>
+                        </a:rPr>
+                        <a:t>ID</a:t>
+                      </a:r>
+                      <a:endParaRPr lang="en-US" sz="1100">
+                        <a:effectLst/>
+                        <a:latin typeface="Calibri" panose="020F0502020204030204" pitchFamily="34" charset="0"/>
+                        <a:ea typeface="Calibri" panose="020F0502020204030204" pitchFamily="34" charset="0"/>
+                        <a:cs typeface="Arial" panose="020B0604020202020204" pitchFamily="34" charset="0"/>
+                      </a:endParaRPr>
+                    </a:p>
+                  </a:txBody>
+                  <a:tcPr marL="68580" marR="68580" marT="0" marB="0"/>
+                </a:tc>
+                <a:tc>
+                  <a:txBody>
+                    <a:bodyPr/>
+                    <a:lstStyle/>
+                    <a:p>
+                      <a:pPr marL="0" marR="0">
+                        <a:lnSpc>
+                          <a:spcPct val="115000"/>
+                        </a:lnSpc>
+                        <a:spcBef>
+                          <a:spcPts val="0"/>
+                        </a:spcBef>
+                        <a:spcAft>
+                          <a:spcPts val="0"/>
+                        </a:spcAft>
+                      </a:pPr>
+                      <a:r>
+                        <a:rPr lang="en-US" sz="1100">
+                          <a:effectLst/>
+                        </a:rPr>
+                        <a:t>Title</a:t>
+                      </a:r>
+                      <a:endParaRPr lang="en-US" sz="1100">
+                        <a:effectLst/>
+                        <a:latin typeface="Calibri" panose="020F0502020204030204" pitchFamily="34" charset="0"/>
+                        <a:ea typeface="Calibri" panose="020F0502020204030204" pitchFamily="34" charset="0"/>
+                        <a:cs typeface="Arial" panose="020B0604020202020204" pitchFamily="34" charset="0"/>
+                      </a:endParaRPr>
+                    </a:p>
+                  </a:txBody>
+                  <a:tcPr marL="68580" marR="68580" marT="0" marB="0"/>
+                </a:tc>
+                <a:tc>
+                  <a:txBody>
+                    <a:bodyPr/>
+                    <a:lstStyle/>
+                    <a:p>
+                      <a:pPr marL="0" marR="0">
+                        <a:lnSpc>
+                          <a:spcPct val="115000"/>
+                        </a:lnSpc>
+                        <a:spcBef>
+                          <a:spcPts val="0"/>
+                        </a:spcBef>
+                        <a:spcAft>
+                          <a:spcPts val="0"/>
+                        </a:spcAft>
+                      </a:pPr>
+                      <a:r>
+                        <a:rPr lang="en-US" sz="1100">
+                          <a:effectLst/>
+                        </a:rPr>
+                        <a:t>Price</a:t>
+                      </a:r>
+                      <a:endParaRPr lang="en-US" sz="1100">
+                        <a:effectLst/>
+                        <a:latin typeface="Calibri" panose="020F0502020204030204" pitchFamily="34" charset="0"/>
+                        <a:ea typeface="Calibri" panose="020F0502020204030204" pitchFamily="34" charset="0"/>
+                        <a:cs typeface="Arial" panose="020B0604020202020204" pitchFamily="34" charset="0"/>
+                      </a:endParaRPr>
+                    </a:p>
+                  </a:txBody>
+                  <a:tcPr marL="68580" marR="68580" marT="0" marB="0"/>
+                </a:tc>
+              </a:tr>
+              <a:tr h="182245">
+                <a:tc>
+                  <a:txBody>
+                    <a:bodyPr/>
+                    <a:lstStyle/>
+                    <a:p>
+                      <a:pPr marL="0" marR="0">
+                        <a:lnSpc>
+                          <a:spcPct val="115000"/>
+                        </a:lnSpc>
+                        <a:spcBef>
+                          <a:spcPts val="0"/>
+                        </a:spcBef>
+                        <a:spcAft>
+                          <a:spcPts val="0"/>
+                        </a:spcAft>
+                        <a:tabLst>
+                          <a:tab pos="581660" algn="l"/>
+                          <a:tab pos="1163320" algn="l"/>
+                          <a:tab pos="1744980" algn="l"/>
+                          <a:tab pos="2326640" algn="l"/>
+                          <a:tab pos="2908300" algn="l"/>
+                          <a:tab pos="3489960" algn="l"/>
+                          <a:tab pos="4071620" algn="l"/>
+                          <a:tab pos="4653280" algn="l"/>
+                          <a:tab pos="5234940" algn="l"/>
+                          <a:tab pos="5816600" algn="l"/>
+                          <a:tab pos="6398260" algn="l"/>
+                          <a:tab pos="6979920" algn="l"/>
+                          <a:tab pos="7561580" algn="l"/>
+                          <a:tab pos="8143240" algn="l"/>
+                          <a:tab pos="8724900" algn="l"/>
+                          <a:tab pos="9306560" algn="l"/>
+                        </a:tabLst>
+                      </a:pPr>
+                      <a:r>
+                        <a:rPr lang="en-US" sz="1000">
+                          <a:effectLst/>
+                        </a:rPr>
+                        <a:t>&lt;&lt;foreach [p in Product]&gt;&gt; &lt;&lt;[ProductID]&gt;&gt;</a:t>
+                      </a:r>
+                      <a:endParaRPr lang="en-US" sz="1100">
+                        <a:effectLst/>
+                        <a:latin typeface="Calibri" panose="020F0502020204030204" pitchFamily="34" charset="0"/>
+                        <a:ea typeface="Calibri" panose="020F0502020204030204" pitchFamily="34" charset="0"/>
+                        <a:cs typeface="Arial" panose="020B0604020202020204" pitchFamily="34" charset="0"/>
+                      </a:endParaRPr>
+                    </a:p>
+                  </a:txBody>
+                  <a:tcPr marL="68580" marR="68580" marT="0" marB="0"/>
+                </a:tc>
+                <a:tc>
+                  <a:txBody>
+                    <a:bodyPr/>
+                    <a:lstStyle/>
+                    <a:p>
+                      <a:pPr marL="0" marR="0">
+                        <a:lnSpc>
+                          <a:spcPct val="115000"/>
+                        </a:lnSpc>
+                        <a:spcBef>
+                          <a:spcPts val="0"/>
+                        </a:spcBef>
+                        <a:spcAft>
+                          <a:spcPts val="0"/>
+                        </a:spcAft>
+                      </a:pPr>
+                      <a:r>
+                        <a:rPr lang="en-US" sz="1000">
+                          <a:effectLst/>
+                        </a:rPr>
+                        <a:t>&lt;&lt;[Title]&gt;&gt;</a:t>
+                      </a:r>
+                      <a:endParaRPr lang="en-US" sz="1100">
+                        <a:effectLst/>
+                        <a:latin typeface="Calibri" panose="020F0502020204030204" pitchFamily="34" charset="0"/>
+                        <a:ea typeface="Calibri" panose="020F0502020204030204" pitchFamily="34" charset="0"/>
+                        <a:cs typeface="Arial" panose="020B0604020202020204" pitchFamily="34" charset="0"/>
+                      </a:endParaRPr>
+                    </a:p>
+                  </a:txBody>
+                  <a:tcPr marL="68580" marR="68580" marT="0" marB="0"/>
+                </a:tc>
+                <a:tc>
+                  <a:txBody>
+                    <a:bodyPr/>
+                    <a:lstStyle/>
+                    <a:p>
+                      <a:pPr marL="0" marR="0">
+                        <a:lnSpc>
+                          <a:spcPct val="115000"/>
+                        </a:lnSpc>
+                        <a:spcBef>
+                          <a:spcPts val="0"/>
+                        </a:spcBef>
+                        <a:spcAft>
+                          <a:spcPts val="0"/>
+                        </a:spcAft>
+                      </a:pPr>
+                      <a:r>
+                        <a:rPr lang="en-US" sz="1000" dirty="0">
+                          <a:effectLst/>
+                        </a:rPr>
+                        <a:t>&lt;&lt;[Price]&gt;&gt;</a:t>
+                      </a:r>
+                      <a:r>
+                        <a:rPr lang="en-US" sz="950" dirty="0">
+                          <a:effectLst/>
+                        </a:rPr>
+                        <a:t> &lt;&lt;/foreach&gt;&gt;</a:t>
+                      </a:r>
+                      <a:endParaRPr lang="en-US" sz="1100" dirty="0">
+                        <a:effectLst/>
+                        <a:latin typeface="Calibri" panose="020F0502020204030204" pitchFamily="34" charset="0"/>
+                        <a:ea typeface="Calibri" panose="020F0502020204030204" pitchFamily="34" charset="0"/>
+                        <a:cs typeface="Arial" panose="020B0604020202020204" pitchFamily="34" charset="0"/>
+                      </a:endParaRPr>
+                    </a:p>
+                  </a:txBody>
+                  <a:tcPr marL="68580" marR="68580" marT="0" marB="0"/>
+                </a:tc>
+              </a:tr>
+            </a:tbl>
+          </a:graphicData>
+        </a:graphic>
+      </p:graphicFrame>
+      <p:sp>
+        <p:nvSpPr>
+          <p:cNvPr id="9" name="Rectangle 3"/>
+          <p:cNvSpPr>
+            <a:spLocks noGrp="1" noChangeArrowheads="1"/>
           </p:cNvSpPr>
           <p:nvPr>
             <p:ph type="ctrTitle"/>
           </p:nvPr>
         </p:nvSpPr>
-        <p:spPr/>
-        <p:txBody>
-          <a:bodyPr>
-            <a:normAutofit/>
+        <p:spPr bwMode="auto">
+          <a:prstGeom prst="rect">
+            <a:avLst/>
+          </a:prstGeom>
+          <a:solidFill>
+            <a:srgbClr val="FFFFFF"/>
+          </a:solidFill>
+          <a:ln>
+            <a:noFill/>
+          </a:ln>
+          <a:effectLst/>
+          <a:extLst>
+            <a:ext uri="{91240B29-F687-4F45-9708-019B960494DF}">
+              <a14:hiddenLine xmlns:a14="http://schemas.microsoft.com/office/drawing/2010/main" w="9525">
+                <a:solidFill>
+                  <a:schemeClr val="tx1"/>
+                </a:solidFill>
+                <a:miter lim="800000"/>
+                <a:headEnd/>
+                <a:tailEnd/>
+              </a14:hiddenLine>
+            </a:ext>
+            <a:ext uri="{AF507438-7753-43E0-B8FC-AC1667EBCBE1}">
+              <a14:hiddenEffects xmlns:a14="http://schemas.microsoft.com/office/drawing/2010/main">
+                <a:effectLst>
+                  <a:outerShdw dist="35921" dir="2700000" algn="ctr" rotWithShape="0">
+                    <a:schemeClr val="bg2"/>
+                  </a:outerShdw>
+                </a:effectLst>
+              </a14:hiddenEffects>
+            </a:ext>
+          </a:extLst>
+        </p:spPr>
+        <p:txBody>
+          <a:bodyPr vert="horz" wrap="none" lIns="91440" tIns="45720" rIns="91440" bIns="45720" numCol="1" anchor="ctr" anchorCtr="0" compatLnSpc="1">
+            <a:prstTxWarp prst="textNoShape">
+              <a:avLst/>
+            </a:prstTxWarp>
+            <a:spAutoFit/>
           </a:bodyPr>
-          <a:lstStyle/>
-          <a:p>
-            <a:pPr marL="342900" indent="-342900">
-              <a:buFont typeface="Arial" panose="020B0604020202020204" pitchFamily="34" charset="0"/>
-              <a:buChar char="•"/>
+          <a:lstStyle>
+            <a:lvl1pPr eaLnBrk="0" fontAlgn="base" hangingPunct="0">
+              <a:spcBef>
+                <a:spcPct val="0"/>
+              </a:spcBef>
+              <a:spcAft>
+                <a:spcPct val="0"/>
+              </a:spcAft>
+              <a:tabLst>
+                <a:tab pos="581025" algn="l"/>
+                <a:tab pos="1163638" algn="l"/>
+                <a:tab pos="1744663" algn="l"/>
+                <a:tab pos="2327275" algn="l"/>
+                <a:tab pos="2908300" algn="l"/>
+                <a:tab pos="3489325" algn="l"/>
+                <a:tab pos="4071938" algn="l"/>
+                <a:tab pos="4652963" algn="l"/>
+                <a:tab pos="5235575" algn="l"/>
+                <a:tab pos="5816600" algn="l"/>
+                <a:tab pos="6397625" algn="l"/>
+                <a:tab pos="6980238" algn="l"/>
+                <a:tab pos="7561263" algn="l"/>
+                <a:tab pos="8143875" algn="l"/>
+                <a:tab pos="8724900" algn="l"/>
+                <a:tab pos="9305925" algn="l"/>
+              </a:tabLst>
+              <a:defRPr>
+                <a:solidFill>
+                  <a:schemeClr val="tx1"/>
+                </a:solidFill>
+                <a:latin typeface="Arial" panose="020B0604020202020204" pitchFamily="34" charset="0"/>
+              </a:defRPr>
+            </a:lvl1pPr>
+            <a:lvl2pPr eaLnBrk="0" fontAlgn="base" hangingPunct="0">
+              <a:spcBef>
+                <a:spcPct val="0"/>
+              </a:spcBef>
+              <a:spcAft>
+                <a:spcPct val="0"/>
+              </a:spcAft>
+              <a:tabLst>
+                <a:tab pos="581025" algn="l"/>
+                <a:tab pos="1163638" algn="l"/>
+                <a:tab pos="1744663" algn="l"/>
+                <a:tab pos="2327275" algn="l"/>
+                <a:tab pos="2908300" algn="l"/>
+                <a:tab pos="3489325" algn="l"/>
+                <a:tab pos="4071938" algn="l"/>
+                <a:tab pos="4652963" algn="l"/>
+                <a:tab pos="5235575" algn="l"/>
+                <a:tab pos="5816600" algn="l"/>
+                <a:tab pos="6397625" algn="l"/>
+                <a:tab pos="6980238" algn="l"/>
+                <a:tab pos="7561263" algn="l"/>
+                <a:tab pos="8143875" algn="l"/>
+                <a:tab pos="8724900" algn="l"/>
+                <a:tab pos="9305925" algn="l"/>
+              </a:tabLst>
+              <a:defRPr>
+                <a:solidFill>
+                  <a:schemeClr val="tx1"/>
+                </a:solidFill>
+                <a:latin typeface="Arial" panose="020B0604020202020204" pitchFamily="34" charset="0"/>
+              </a:defRPr>
+            </a:lvl2pPr>
+            <a:lvl3pPr eaLnBrk="0" fontAlgn="base" hangingPunct="0">
+              <a:spcBef>
+                <a:spcPct val="0"/>
+              </a:spcBef>
+              <a:spcAft>
+                <a:spcPct val="0"/>
+              </a:spcAft>
+              <a:tabLst>
+                <a:tab pos="581025" algn="l"/>
+                <a:tab pos="1163638" algn="l"/>
+                <a:tab pos="1744663" algn="l"/>
+                <a:tab pos="2327275" algn="l"/>
+                <a:tab pos="2908300" algn="l"/>
+                <a:tab pos="3489325" algn="l"/>
+                <a:tab pos="4071938" algn="l"/>
+                <a:tab pos="4652963" algn="l"/>
+                <a:tab pos="5235575" algn="l"/>
+                <a:tab pos="5816600" algn="l"/>
+                <a:tab pos="6397625" algn="l"/>
+                <a:tab pos="6980238" algn="l"/>
+                <a:tab pos="7561263" algn="l"/>
+                <a:tab pos="8143875" algn="l"/>
+                <a:tab pos="8724900" algn="l"/>
+                <a:tab pos="9305925" algn="l"/>
+              </a:tabLst>
+              <a:defRPr>
+                <a:solidFill>
+                  <a:schemeClr val="tx1"/>
+                </a:solidFill>
+                <a:latin typeface="Arial" panose="020B0604020202020204" pitchFamily="34" charset="0"/>
+              </a:defRPr>
+            </a:lvl3pPr>
+            <a:lvl4pPr eaLnBrk="0" fontAlgn="base" hangingPunct="0">
+              <a:spcBef>
+                <a:spcPct val="0"/>
+              </a:spcBef>
+              <a:spcAft>
+                <a:spcPct val="0"/>
+              </a:spcAft>
+              <a:tabLst>
+                <a:tab pos="581025" algn="l"/>
+                <a:tab pos="1163638" algn="l"/>
+                <a:tab pos="1744663" algn="l"/>
+                <a:tab pos="2327275" algn="l"/>
+                <a:tab pos="2908300" algn="l"/>
+                <a:tab pos="3489325" algn="l"/>
+                <a:tab pos="4071938" algn="l"/>
+                <a:tab pos="4652963" algn="l"/>
+                <a:tab pos="5235575" algn="l"/>
+                <a:tab pos="5816600" algn="l"/>
+                <a:tab pos="6397625" algn="l"/>
+                <a:tab pos="6980238" algn="l"/>
+                <a:tab pos="7561263" algn="l"/>
+                <a:tab pos="8143875" algn="l"/>
+                <a:tab pos="8724900" algn="l"/>
+                <a:tab pos="9305925" algn="l"/>
+              </a:tabLst>
+              <a:defRPr>
+                <a:solidFill>
+                  <a:schemeClr val="tx1"/>
+                </a:solidFill>
+                <a:latin typeface="Arial" panose="020B0604020202020204" pitchFamily="34" charset="0"/>
+              </a:defRPr>
+            </a:lvl4pPr>
+            <a:lvl5pPr eaLnBrk="0" fontAlgn="base" hangingPunct="0">
+              <a:spcBef>
+                <a:spcPct val="0"/>
+              </a:spcBef>
+              <a:spcAft>
+                <a:spcPct val="0"/>
+              </a:spcAft>
+              <a:tabLst>
+                <a:tab pos="581025" algn="l"/>
+                <a:tab pos="1163638" algn="l"/>
+                <a:tab pos="1744663" algn="l"/>
+                <a:tab pos="2327275" algn="l"/>
+                <a:tab pos="2908300" algn="l"/>
+                <a:tab pos="3489325" algn="l"/>
+                <a:tab pos="4071938" algn="l"/>
+                <a:tab pos="4652963" algn="l"/>
+                <a:tab pos="5235575" algn="l"/>
+                <a:tab pos="5816600" algn="l"/>
+                <a:tab pos="6397625" algn="l"/>
+                <a:tab pos="6980238" algn="l"/>
+                <a:tab pos="7561263" algn="l"/>
+                <a:tab pos="8143875" algn="l"/>
+                <a:tab pos="8724900" algn="l"/>
+                <a:tab pos="9305925" algn="l"/>
+              </a:tabLst>
+              <a:defRPr>
+                <a:solidFill>
+                  <a:schemeClr val="tx1"/>
+                </a:solidFill>
+                <a:latin typeface="Arial" panose="020B0604020202020204" pitchFamily="34" charset="0"/>
+              </a:defRPr>
+            </a:lvl5pPr>
+            <a:lvl6pPr eaLnBrk="0" fontAlgn="base" hangingPunct="0">
+              <a:spcBef>
+                <a:spcPct val="0"/>
+              </a:spcBef>
+              <a:spcAft>
+                <a:spcPct val="0"/>
+              </a:spcAft>
+              <a:tabLst>
+                <a:tab pos="581025" algn="l"/>
+                <a:tab pos="1163638" algn="l"/>
+                <a:tab pos="1744663" algn="l"/>
+                <a:tab pos="2327275" algn="l"/>
+                <a:tab pos="2908300" algn="l"/>
+                <a:tab pos="3489325" algn="l"/>
+                <a:tab pos="4071938" algn="l"/>
+                <a:tab pos="4652963" algn="l"/>
+                <a:tab pos="5235575" algn="l"/>
+                <a:tab pos="5816600" algn="l"/>
+                <a:tab pos="6397625" algn="l"/>
+                <a:tab pos="6980238" algn="l"/>
+                <a:tab pos="7561263" algn="l"/>
+                <a:tab pos="8143875" algn="l"/>
+                <a:tab pos="8724900" algn="l"/>
+                <a:tab pos="9305925" algn="l"/>
+              </a:tabLst>
+              <a:defRPr>
+                <a:solidFill>
+                  <a:schemeClr val="tx1"/>
+                </a:solidFill>
+                <a:latin typeface="Arial" panose="020B0604020202020204" pitchFamily="34" charset="0"/>
+              </a:defRPr>
+            </a:lvl6pPr>
+            <a:lvl7pPr eaLnBrk="0" fontAlgn="base" hangingPunct="0">
+              <a:spcBef>
+                <a:spcPct val="0"/>
+              </a:spcBef>
+              <a:spcAft>
+                <a:spcPct val="0"/>
+              </a:spcAft>
+              <a:tabLst>
+                <a:tab pos="581025" algn="l"/>
+                <a:tab pos="1163638" algn="l"/>
+                <a:tab pos="1744663" algn="l"/>
+                <a:tab pos="2327275" algn="l"/>
+                <a:tab pos="2908300" algn="l"/>
+                <a:tab pos="3489325" algn="l"/>
+                <a:tab pos="4071938" algn="l"/>
+                <a:tab pos="4652963" algn="l"/>
+                <a:tab pos="5235575" algn="l"/>
+                <a:tab pos="5816600" algn="l"/>
+                <a:tab pos="6397625" algn="l"/>
+                <a:tab pos="6980238" algn="l"/>
+                <a:tab pos="7561263" algn="l"/>
+                <a:tab pos="8143875" algn="l"/>
+                <a:tab pos="8724900" algn="l"/>
+                <a:tab pos="9305925" algn="l"/>
+              </a:tabLst>
+              <a:defRPr>
+                <a:solidFill>
+                  <a:schemeClr val="tx1"/>
+                </a:solidFill>
+                <a:latin typeface="Arial" panose="020B0604020202020204" pitchFamily="34" charset="0"/>
+              </a:defRPr>
+            </a:lvl7pPr>
+            <a:lvl8pPr eaLnBrk="0" fontAlgn="base" hangingPunct="0">
+              <a:spcBef>
+                <a:spcPct val="0"/>
+              </a:spcBef>
+              <a:spcAft>
+                <a:spcPct val="0"/>
+              </a:spcAft>
+              <a:tabLst>
+                <a:tab pos="581025" algn="l"/>
+                <a:tab pos="1163638" algn="l"/>
+                <a:tab pos="1744663" algn="l"/>
+                <a:tab pos="2327275" algn="l"/>
+                <a:tab pos="2908300" algn="l"/>
+                <a:tab pos="3489325" algn="l"/>
+                <a:tab pos="4071938" algn="l"/>
+                <a:tab pos="4652963" algn="l"/>
+                <a:tab pos="5235575" algn="l"/>
+                <a:tab pos="5816600" algn="l"/>
+                <a:tab pos="6397625" algn="l"/>
+                <a:tab pos="6980238" algn="l"/>
+                <a:tab pos="7561263" algn="l"/>
+                <a:tab pos="8143875" algn="l"/>
+                <a:tab pos="8724900" algn="l"/>
+                <a:tab pos="9305925" algn="l"/>
+              </a:tabLst>
+              <a:defRPr>
+                <a:solidFill>
+                  <a:schemeClr val="tx1"/>
+                </a:solidFill>
+                <a:latin typeface="Arial" panose="020B0604020202020204" pitchFamily="34" charset="0"/>
+              </a:defRPr>
+            </a:lvl8pPr>
+            <a:lvl9pPr eaLnBrk="0" fontAlgn="base" hangingPunct="0">
+              <a:spcBef>
+                <a:spcPct val="0"/>
+              </a:spcBef>
+              <a:spcAft>
+                <a:spcPct val="0"/>
+              </a:spcAft>
+              <a:tabLst>
+                <a:tab pos="581025" algn="l"/>
+                <a:tab pos="1163638" algn="l"/>
+                <a:tab pos="1744663" algn="l"/>
+                <a:tab pos="2327275" algn="l"/>
+                <a:tab pos="2908300" algn="l"/>
+                <a:tab pos="3489325" algn="l"/>
+                <a:tab pos="4071938" algn="l"/>
+                <a:tab pos="4652963" algn="l"/>
+                <a:tab pos="5235575" algn="l"/>
+                <a:tab pos="5816600" algn="l"/>
+                <a:tab pos="6397625" algn="l"/>
+                <a:tab pos="6980238" algn="l"/>
+                <a:tab pos="7561263" algn="l"/>
+                <a:tab pos="8143875" algn="l"/>
+                <a:tab pos="8724900" algn="l"/>
+                <a:tab pos="9305925" algn="l"/>
+              </a:tabLst>
+              <a:defRPr>
+                <a:solidFill>
+                  <a:schemeClr val="tx1"/>
+                </a:solidFill>
+                <a:latin typeface="Arial" panose="020B0604020202020204" pitchFamily="34" charset="0"/>
+              </a:defRPr>
+            </a:lvl9pPr>
+          </a:lstStyle>
+          <a:p>
+            <a:pPr marL="0" marR="0" lvl="0" indent="0" algn="l" defTabSz="914400" rtl="0" eaLnBrk="0" fontAlgn="base" latinLnBrk="0" hangingPunct="0">
+              <a:lnSpc>
+                <a:spcPct val="100000"/>
+              </a:lnSpc>
+              <a:spcBef>
+                <a:spcPct val="0"/>
+              </a:spcBef>
+              <a:spcAft>
+                <a:spcPct val="0"/>
+              </a:spcAft>
+              <a:buClrTx/>
+              <a:buSzTx/>
+              <a:buFontTx/>
+              <a:buNone/>
+              <a:tabLst>
+                <a:tab pos="581025" algn="l"/>
+                <a:tab pos="1163638" algn="l"/>
+                <a:tab pos="1744663" algn="l"/>
+                <a:tab pos="2327275" algn="l"/>
+                <a:tab pos="2908300" algn="l"/>
+                <a:tab pos="3489325" algn="l"/>
+                <a:tab pos="4071938" algn="l"/>
+                <a:tab pos="4652963" algn="l"/>
+                <a:tab pos="5235575" algn="l"/>
+                <a:tab pos="5816600" algn="l"/>
+                <a:tab pos="6397625" algn="l"/>
+                <a:tab pos="6980238" algn="l"/>
+                <a:tab pos="7561263" algn="l"/>
+                <a:tab pos="8143875" algn="l"/>
+                <a:tab pos="8724900" algn="l"/>
+                <a:tab pos="9305925" algn="l"/>
+              </a:tabLst>
             </a:pPr>
             <a:r>
-              <a:rPr lang="en-US" sz="2400" dirty="0" smtClean="0"/>
-              <a:t>&lt;&lt;foreach[c in Customer]&gt;&gt;</a:t>
-            </a:r>
-            <a:br>
-              <a:rPr lang="en-US" sz="2400" dirty="0" smtClean="0"/>
-            </a:br>
-            <a:r>
-              <a:rPr lang="en-US" sz="2400" dirty="0" smtClean="0"/>
-              <a:t>&lt;&lt;[Name]&gt;&gt;</a:t>
-            </a:r>
-            <a:br>
-              <a:rPr lang="en-US" sz="2400" dirty="0" smtClean="0"/>
-            </a:br>
-            <a:r>
-              <a:rPr lang="en-US" sz="2400" smtClean="0"/>
-              <a:t>&lt;&lt;/foreach&gt;&gt;</a:t>
-            </a:r>
-            <a:endParaRPr lang="en-US" sz="2400"/>
-          </a:p>
-        </p:txBody>
-      </p:sp>
-      <p:sp>
-        <p:nvSpPr>
-          <p:cNvPr id="3" name="Subtitle 2"/>
-          <p:cNvSpPr>
-            <a:spLocks noGrp="1"/>
-          </p:cNvSpPr>
-          <p:nvPr>
-            <p:ph type="subTitle" idx="1"/>
-          </p:nvPr>
-        </p:nvSpPr>
-        <p:spPr/>
-        <p:txBody>
-          <a:bodyPr/>
-          <a:lstStyle/>
-          <a:p>
-            <a:endParaRPr lang="en-US"/>
+              <a:rPr kumimoji="0" lang="en-US" altLang="en-US" sz="1000" b="0" i="0" u="none" strike="noStrike" cap="none" normalizeH="0" baseline="0" smtClean="0">
+                <a:ln>
+                  <a:noFill/>
+                </a:ln>
+                <a:solidFill>
+                  <a:schemeClr val="tx1"/>
+                </a:solidFill>
+                <a:effectLst/>
+                <a:latin typeface="Courier New" panose="02070309020205020404" pitchFamily="49" charset="0"/>
+                <a:ea typeface="Calibri" panose="020F0502020204030204" pitchFamily="34" charset="0"/>
+                <a:cs typeface="Courier New" panose="02070309020205020404" pitchFamily="49" charset="0"/>
+              </a:rPr>
+              <a:t>    </a:t>
+            </a:r>
+            <a:endParaRPr kumimoji="0" lang="en-US" altLang="en-US" sz="1100" b="0" i="0" u="none" strike="noStrike" cap="none" normalizeH="0" baseline="0" smtClean="0">
+              <a:ln>
+                <a:noFill/>
+              </a:ln>
+              <a:solidFill>
+                <a:schemeClr val="tx1"/>
+              </a:solidFill>
+              <a:effectLst/>
+            </a:endParaRPr>
+          </a:p>
+          <a:p>
+            <a:pPr marL="0" marR="0" lvl="0" indent="0" algn="l" defTabSz="914400" rtl="0" eaLnBrk="0" fontAlgn="base" latinLnBrk="0" hangingPunct="0">
+              <a:lnSpc>
+                <a:spcPct val="100000"/>
+              </a:lnSpc>
+              <a:spcBef>
+                <a:spcPct val="0"/>
+              </a:spcBef>
+              <a:spcAft>
+                <a:spcPct val="0"/>
+              </a:spcAft>
+              <a:buClrTx/>
+              <a:buSzTx/>
+              <a:buFontTx/>
+              <a:buNone/>
+              <a:tabLst>
+                <a:tab pos="581025" algn="l"/>
+                <a:tab pos="1163638" algn="l"/>
+                <a:tab pos="1744663" algn="l"/>
+                <a:tab pos="2327275" algn="l"/>
+                <a:tab pos="2908300" algn="l"/>
+                <a:tab pos="3489325" algn="l"/>
+                <a:tab pos="4071938" algn="l"/>
+                <a:tab pos="4652963" algn="l"/>
+                <a:tab pos="5235575" algn="l"/>
+                <a:tab pos="5816600" algn="l"/>
+                <a:tab pos="6397625" algn="l"/>
+                <a:tab pos="6980238" algn="l"/>
+                <a:tab pos="7561263" algn="l"/>
+                <a:tab pos="8143875" algn="l"/>
+                <a:tab pos="8724900" algn="l"/>
+                <a:tab pos="9305925" algn="l"/>
+              </a:tabLst>
+            </a:pPr>
+            <a:endParaRPr kumimoji="0" lang="en-US" altLang="en-US" sz="1800" b="0" i="0" u="none" strike="noStrike" cap="none" normalizeH="0" baseline="0" smtClean="0">
+              <a:ln>
+                <a:noFill/>
+              </a:ln>
+              <a:solidFill>
+                <a:schemeClr val="tx1"/>
+              </a:solidFill>
+              <a:effectLst/>
+              <a:latin typeface="Arial" panose="020B0604020202020204" pitchFamily="34" charset="0"/>
+            </a:endParaRPr>
           </a:p>
         </p:txBody>
       </p:sp>
